--- a/figures/discretization.pptx
+++ b/figures/discretization.pptx
@@ -8,10 +8,11 @@
     <p:sldId id="256" r:id="rId2"/>
     <p:sldId id="257" r:id="rId3"/>
     <p:sldId id="259" r:id="rId4"/>
-    <p:sldId id="258" r:id="rId5"/>
-    <p:sldId id="262" r:id="rId6"/>
-    <p:sldId id="260" r:id="rId7"/>
-    <p:sldId id="261" r:id="rId8"/>
+    <p:sldId id="263" r:id="rId5"/>
+    <p:sldId id="258" r:id="rId6"/>
+    <p:sldId id="262" r:id="rId7"/>
+    <p:sldId id="260" r:id="rId8"/>
+    <p:sldId id="261" r:id="rId9"/>
   </p:sldIdLst>
   <p:sldSz cx="12192000" cy="6858000"/>
   <p:notesSz cx="6858000" cy="9144000"/>
@@ -129,10 +130,6 @@
 </p:presentation>
 </file>
 
-<file path=ppt/revisionInfo.xml><?xml version="1.0" encoding="utf-8"?>
-<p1510:revInfo xmlns:a="http://schemas.openxmlformats.org/drawingml/2006/main" xmlns:r="http://schemas.openxmlformats.org/officeDocument/2006/relationships" xmlns:p1510="http://schemas.microsoft.com/office/powerpoint/2015/10/main"/>
-</file>
-
 <file path=ppt/slideLayouts/slideLayout1.xml><?xml version="1.0" encoding="utf-8"?>
 <p:sldLayout xmlns:a="http://schemas.openxmlformats.org/drawingml/2006/main" xmlns:r="http://schemas.openxmlformats.org/officeDocument/2006/relationships" xmlns:p="http://schemas.openxmlformats.org/presentationml/2006/main" type="title" preserve="1">
   <p:cSld name="Title Slide">
@@ -280,7 +277,7 @@
           <a:p>
             <a:fld id="{F9225C83-7477-4980-A7BD-F72C1555A858}" type="datetimeFigureOut">
               <a:rPr lang="en-US" smtClean="0"/>
-              <a:t>11/27/2017</a:t>
+              <a:t>3/2/2018</a:t>
             </a:fld>
             <a:endParaRPr lang="en-US"/>
           </a:p>
@@ -334,7 +331,7 @@
           <a:p>
             <a:fld id="{9FD453E3-E7FE-4A87-89FE-E8CADC15ACEA}" type="slidenum">
               <a:rPr lang="en-US" smtClean="0"/>
-              <a:t>‹#›</a:t>
+              <a:t>‹N°›</a:t>
             </a:fld>
             <a:endParaRPr lang="en-US"/>
           </a:p>
@@ -478,7 +475,7 @@
           <a:p>
             <a:fld id="{F9225C83-7477-4980-A7BD-F72C1555A858}" type="datetimeFigureOut">
               <a:rPr lang="en-US" smtClean="0"/>
-              <a:t>11/27/2017</a:t>
+              <a:t>3/2/2018</a:t>
             </a:fld>
             <a:endParaRPr lang="en-US"/>
           </a:p>
@@ -532,7 +529,7 @@
           <a:p>
             <a:fld id="{9FD453E3-E7FE-4A87-89FE-E8CADC15ACEA}" type="slidenum">
               <a:rPr lang="en-US" smtClean="0"/>
-              <a:t>‹#›</a:t>
+              <a:t>‹N°›</a:t>
             </a:fld>
             <a:endParaRPr lang="en-US"/>
           </a:p>
@@ -686,7 +683,7 @@
           <a:p>
             <a:fld id="{F9225C83-7477-4980-A7BD-F72C1555A858}" type="datetimeFigureOut">
               <a:rPr lang="en-US" smtClean="0"/>
-              <a:t>11/27/2017</a:t>
+              <a:t>3/2/2018</a:t>
             </a:fld>
             <a:endParaRPr lang="en-US"/>
           </a:p>
@@ -740,7 +737,7 @@
           <a:p>
             <a:fld id="{9FD453E3-E7FE-4A87-89FE-E8CADC15ACEA}" type="slidenum">
               <a:rPr lang="en-US" smtClean="0"/>
-              <a:t>‹#›</a:t>
+              <a:t>‹N°›</a:t>
             </a:fld>
             <a:endParaRPr lang="en-US"/>
           </a:p>
@@ -884,7 +881,7 @@
           <a:p>
             <a:fld id="{F9225C83-7477-4980-A7BD-F72C1555A858}" type="datetimeFigureOut">
               <a:rPr lang="en-US" smtClean="0"/>
-              <a:t>11/27/2017</a:t>
+              <a:t>3/2/2018</a:t>
             </a:fld>
             <a:endParaRPr lang="en-US"/>
           </a:p>
@@ -938,7 +935,7 @@
           <a:p>
             <a:fld id="{9FD453E3-E7FE-4A87-89FE-E8CADC15ACEA}" type="slidenum">
               <a:rPr lang="en-US" smtClean="0"/>
-              <a:t>‹#›</a:t>
+              <a:t>‹N°›</a:t>
             </a:fld>
             <a:endParaRPr lang="en-US"/>
           </a:p>
@@ -1159,7 +1156,7 @@
           <a:p>
             <a:fld id="{F9225C83-7477-4980-A7BD-F72C1555A858}" type="datetimeFigureOut">
               <a:rPr lang="en-US" smtClean="0"/>
-              <a:t>11/27/2017</a:t>
+              <a:t>3/2/2018</a:t>
             </a:fld>
             <a:endParaRPr lang="en-US"/>
           </a:p>
@@ -1213,7 +1210,7 @@
           <a:p>
             <a:fld id="{9FD453E3-E7FE-4A87-89FE-E8CADC15ACEA}" type="slidenum">
               <a:rPr lang="en-US" smtClean="0"/>
-              <a:t>‹#›</a:t>
+              <a:t>‹N°›</a:t>
             </a:fld>
             <a:endParaRPr lang="en-US"/>
           </a:p>
@@ -1424,7 +1421,7 @@
           <a:p>
             <a:fld id="{F9225C83-7477-4980-A7BD-F72C1555A858}" type="datetimeFigureOut">
               <a:rPr lang="en-US" smtClean="0"/>
-              <a:t>11/27/2017</a:t>
+              <a:t>3/2/2018</a:t>
             </a:fld>
             <a:endParaRPr lang="en-US"/>
           </a:p>
@@ -1478,7 +1475,7 @@
           <a:p>
             <a:fld id="{9FD453E3-E7FE-4A87-89FE-E8CADC15ACEA}" type="slidenum">
               <a:rPr lang="en-US" smtClean="0"/>
-              <a:t>‹#›</a:t>
+              <a:t>‹N°›</a:t>
             </a:fld>
             <a:endParaRPr lang="en-US"/>
           </a:p>
@@ -1836,7 +1833,7 @@
           <a:p>
             <a:fld id="{F9225C83-7477-4980-A7BD-F72C1555A858}" type="datetimeFigureOut">
               <a:rPr lang="en-US" smtClean="0"/>
-              <a:t>11/27/2017</a:t>
+              <a:t>3/2/2018</a:t>
             </a:fld>
             <a:endParaRPr lang="en-US"/>
           </a:p>
@@ -1890,7 +1887,7 @@
           <a:p>
             <a:fld id="{9FD453E3-E7FE-4A87-89FE-E8CADC15ACEA}" type="slidenum">
               <a:rPr lang="en-US" smtClean="0"/>
-              <a:t>‹#›</a:t>
+              <a:t>‹N°›</a:t>
             </a:fld>
             <a:endParaRPr lang="en-US"/>
           </a:p>
@@ -1977,7 +1974,7 @@
           <a:p>
             <a:fld id="{F9225C83-7477-4980-A7BD-F72C1555A858}" type="datetimeFigureOut">
               <a:rPr lang="en-US" smtClean="0"/>
-              <a:t>11/27/2017</a:t>
+              <a:t>3/2/2018</a:t>
             </a:fld>
             <a:endParaRPr lang="en-US"/>
           </a:p>
@@ -2031,7 +2028,7 @@
           <a:p>
             <a:fld id="{9FD453E3-E7FE-4A87-89FE-E8CADC15ACEA}" type="slidenum">
               <a:rPr lang="en-US" smtClean="0"/>
-              <a:t>‹#›</a:t>
+              <a:t>‹N°›</a:t>
             </a:fld>
             <a:endParaRPr lang="en-US"/>
           </a:p>
@@ -2090,7 +2087,7 @@
           <a:p>
             <a:fld id="{F9225C83-7477-4980-A7BD-F72C1555A858}" type="datetimeFigureOut">
               <a:rPr lang="en-US" smtClean="0"/>
-              <a:t>11/27/2017</a:t>
+              <a:t>3/2/2018</a:t>
             </a:fld>
             <a:endParaRPr lang="en-US"/>
           </a:p>
@@ -2144,7 +2141,7 @@
           <a:p>
             <a:fld id="{9FD453E3-E7FE-4A87-89FE-E8CADC15ACEA}" type="slidenum">
               <a:rPr lang="en-US" smtClean="0"/>
-              <a:t>‹#›</a:t>
+              <a:t>‹N°›</a:t>
             </a:fld>
             <a:endParaRPr lang="en-US"/>
           </a:p>
@@ -2401,7 +2398,7 @@
           <a:p>
             <a:fld id="{F9225C83-7477-4980-A7BD-F72C1555A858}" type="datetimeFigureOut">
               <a:rPr lang="en-US" smtClean="0"/>
-              <a:t>11/27/2017</a:t>
+              <a:t>3/2/2018</a:t>
             </a:fld>
             <a:endParaRPr lang="en-US"/>
           </a:p>
@@ -2455,7 +2452,7 @@
           <a:p>
             <a:fld id="{9FD453E3-E7FE-4A87-89FE-E8CADC15ACEA}" type="slidenum">
               <a:rPr lang="en-US" smtClean="0"/>
-              <a:t>‹#›</a:t>
+              <a:t>‹N°›</a:t>
             </a:fld>
             <a:endParaRPr lang="en-US"/>
           </a:p>
@@ -2689,7 +2686,7 @@
           <a:p>
             <a:fld id="{F9225C83-7477-4980-A7BD-F72C1555A858}" type="datetimeFigureOut">
               <a:rPr lang="en-US" smtClean="0"/>
-              <a:t>11/27/2017</a:t>
+              <a:t>3/2/2018</a:t>
             </a:fld>
             <a:endParaRPr lang="en-US"/>
           </a:p>
@@ -2743,7 +2740,7 @@
           <a:p>
             <a:fld id="{9FD453E3-E7FE-4A87-89FE-E8CADC15ACEA}" type="slidenum">
               <a:rPr lang="en-US" smtClean="0"/>
-              <a:t>‹#›</a:t>
+              <a:t>‹N°›</a:t>
             </a:fld>
             <a:endParaRPr lang="en-US"/>
           </a:p>
@@ -2930,7 +2927,7 @@
           <a:p>
             <a:fld id="{F9225C83-7477-4980-A7BD-F72C1555A858}" type="datetimeFigureOut">
               <a:rPr lang="en-US" smtClean="0"/>
-              <a:t>11/27/2017</a:t>
+              <a:t>3/2/2018</a:t>
             </a:fld>
             <a:endParaRPr lang="en-US"/>
           </a:p>
@@ -3020,7 +3017,7 @@
           <a:p>
             <a:fld id="{9FD453E3-E7FE-4A87-89FE-E8CADC15ACEA}" type="slidenum">
               <a:rPr lang="en-US" smtClean="0"/>
-              <a:t>‹#›</a:t>
+              <a:t>‹N°›</a:t>
             </a:fld>
             <a:endParaRPr lang="en-US"/>
           </a:p>
@@ -12301,8 +12298,8 @@
           </a:p>
         </p:txBody>
       </p:sp>
-      <mc:AlternateContent xmlns:mc="http://schemas.openxmlformats.org/markup-compatibility/2006">
-        <mc:Choice xmlns:a14="http://schemas.microsoft.com/office/drawing/2010/main" Requires="a14">
+      <mc:AlternateContent xmlns:mc="http://schemas.openxmlformats.org/markup-compatibility/2006" xmlns:a14="http://schemas.microsoft.com/office/drawing/2010/main">
+        <mc:Choice Requires="a14">
           <p:sp>
             <p:nvSpPr>
               <p:cNvPr id="9" name="TextBox 8">
@@ -12348,6 +12345,7 @@
               </a:bodyPr>
               <a:lstStyle/>
               <a:p>
+                <a:pPr/>
                 <a14:m>
                   <m:oMathPara xmlns:m="http://schemas.openxmlformats.org/officeDocument/2006/math">
                     <m:oMathParaPr>
@@ -12405,7 +12403,7 @@
             </p:txBody>
           </p:sp>
         </mc:Choice>
-        <mc:Fallback>
+        <mc:Fallback xmlns="">
           <p:sp>
             <p:nvSpPr>
               <p:cNvPr id="9" name="TextBox 8">
@@ -12453,8 +12451,8 @@
           </p:sp>
         </mc:Fallback>
       </mc:AlternateContent>
-      <mc:AlternateContent xmlns:mc="http://schemas.openxmlformats.org/markup-compatibility/2006">
-        <mc:Choice xmlns:a14="http://schemas.microsoft.com/office/drawing/2010/main" Requires="a14">
+      <mc:AlternateContent xmlns:mc="http://schemas.openxmlformats.org/markup-compatibility/2006" xmlns:a14="http://schemas.microsoft.com/office/drawing/2010/main">
+        <mc:Choice Requires="a14">
           <p:sp>
             <p:nvSpPr>
               <p:cNvPr id="10" name="TextBox 9">
@@ -12500,6 +12498,7 @@
               </a:bodyPr>
               <a:lstStyle/>
               <a:p>
+                <a:pPr/>
                 <a14:m>
                   <m:oMathPara xmlns:m="http://schemas.openxmlformats.org/officeDocument/2006/math">
                     <m:oMathParaPr>
@@ -12557,7 +12556,7 @@
             </p:txBody>
           </p:sp>
         </mc:Choice>
-        <mc:Fallback>
+        <mc:Fallback xmlns="">
           <p:sp>
             <p:nvSpPr>
               <p:cNvPr id="10" name="TextBox 9">
@@ -12605,8 +12604,8 @@
           </p:sp>
         </mc:Fallback>
       </mc:AlternateContent>
-      <mc:AlternateContent xmlns:mc="http://schemas.openxmlformats.org/markup-compatibility/2006">
-        <mc:Choice xmlns:a14="http://schemas.microsoft.com/office/drawing/2010/main" Requires="a14">
+      <mc:AlternateContent xmlns:mc="http://schemas.openxmlformats.org/markup-compatibility/2006" xmlns:a14="http://schemas.microsoft.com/office/drawing/2010/main">
+        <mc:Choice Requires="a14">
           <p:sp>
             <p:nvSpPr>
               <p:cNvPr id="11" name="TextBox 10">
@@ -12635,6 +12634,7 @@
               </a:bodyPr>
               <a:lstStyle/>
               <a:p>
+                <a:pPr/>
                 <a14:m>
                   <m:oMathPara xmlns:m="http://schemas.openxmlformats.org/officeDocument/2006/math">
                     <m:oMathParaPr>
@@ -12690,7 +12690,7 @@
             </p:txBody>
           </p:sp>
         </mc:Choice>
-        <mc:Fallback>
+        <mc:Fallback xmlns="">
           <p:sp>
             <p:nvSpPr>
               <p:cNvPr id="11" name="TextBox 10">
@@ -12735,8 +12735,8 @@
           </p:sp>
         </mc:Fallback>
       </mc:AlternateContent>
-      <mc:AlternateContent xmlns:mc="http://schemas.openxmlformats.org/markup-compatibility/2006">
-        <mc:Choice xmlns:a14="http://schemas.microsoft.com/office/drawing/2010/main" Requires="a14">
+      <mc:AlternateContent xmlns:mc="http://schemas.openxmlformats.org/markup-compatibility/2006" xmlns:a14="http://schemas.microsoft.com/office/drawing/2010/main">
+        <mc:Choice Requires="a14">
           <p:sp>
             <p:nvSpPr>
               <p:cNvPr id="12" name="TextBox 11">
@@ -12765,6 +12765,7 @@
               </a:bodyPr>
               <a:lstStyle/>
               <a:p>
+                <a:pPr/>
                 <a14:m>
                   <m:oMathPara xmlns:m="http://schemas.openxmlformats.org/officeDocument/2006/math">
                     <m:oMathParaPr>
@@ -12820,7 +12821,7 @@
             </p:txBody>
           </p:sp>
         </mc:Choice>
-        <mc:Fallback>
+        <mc:Fallback xmlns="">
           <p:sp>
             <p:nvSpPr>
               <p:cNvPr id="12" name="TextBox 11">
@@ -12865,8 +12866,8 @@
           </p:sp>
         </mc:Fallback>
       </mc:AlternateContent>
-      <mc:AlternateContent xmlns:mc="http://schemas.openxmlformats.org/markup-compatibility/2006">
-        <mc:Choice xmlns:a14="http://schemas.microsoft.com/office/drawing/2010/main" Requires="a14">
+      <mc:AlternateContent xmlns:mc="http://schemas.openxmlformats.org/markup-compatibility/2006" xmlns:a14="http://schemas.microsoft.com/office/drawing/2010/main">
+        <mc:Choice Requires="a14">
           <p:sp>
             <p:nvSpPr>
               <p:cNvPr id="13" name="TextBox 12">
@@ -12912,6 +12913,7 @@
               </a:bodyPr>
               <a:lstStyle/>
               <a:p>
+                <a:pPr/>
                 <a14:m>
                   <m:oMathPara xmlns:m="http://schemas.openxmlformats.org/officeDocument/2006/math">
                     <m:oMathParaPr>
@@ -12942,7 +12944,7 @@
             </p:txBody>
           </p:sp>
         </mc:Choice>
-        <mc:Fallback>
+        <mc:Fallback xmlns="">
           <p:sp>
             <p:nvSpPr>
               <p:cNvPr id="13" name="TextBox 12">
@@ -13004,6 +13006,165 @@
 </file>
 
 <file path=ppt/slides/slide4.xml><?xml version="1.0" encoding="utf-8"?>
+<p:sld xmlns:a="http://schemas.openxmlformats.org/drawingml/2006/main" xmlns:r="http://schemas.openxmlformats.org/officeDocument/2006/relationships" xmlns:p="http://schemas.openxmlformats.org/presentationml/2006/main">
+  <p:cSld>
+    <p:spTree>
+      <p:nvGrpSpPr>
+        <p:cNvPr id="1" name=""/>
+        <p:cNvGrpSpPr/>
+        <p:nvPr/>
+      </p:nvGrpSpPr>
+      <p:grpSpPr>
+        <a:xfrm>
+          <a:off x="0" y="0"/>
+          <a:ext cx="0" cy="0"/>
+          <a:chOff x="0" y="0"/>
+          <a:chExt cx="0" cy="0"/>
+        </a:xfrm>
+      </p:grpSpPr>
+      <p:pic>
+        <p:nvPicPr>
+          <p:cNvPr id="2" name="Image 1">
+            <a:extLst>
+              <a:ext uri="{FF2B5EF4-FFF2-40B4-BE49-F238E27FC236}">
+                <a16:creationId xmlns:a16="http://schemas.microsoft.com/office/drawing/2014/main" id="{8AFF8606-F473-4DC3-9AA4-CEE183DC21AF}"/>
+              </a:ext>
+            </a:extLst>
+          </p:cNvPr>
+          <p:cNvPicPr>
+            <a:picLocks noChangeAspect="1"/>
+          </p:cNvPicPr>
+          <p:nvPr/>
+        </p:nvPicPr>
+        <p:blipFill rotWithShape="1">
+          <a:blip r:embed="rId2">
+            <a:extLst>
+              <a:ext uri="{28A0092B-C50C-407E-A947-70E740481C1C}">
+                <a14:useLocalDpi xmlns:a14="http://schemas.microsoft.com/office/drawing/2010/main" val="0"/>
+              </a:ext>
+            </a:extLst>
+          </a:blip>
+          <a:srcRect b="33333"/>
+          <a:stretch/>
+        </p:blipFill>
+        <p:spPr>
+          <a:xfrm>
+            <a:off x="2428027" y="1838103"/>
+            <a:ext cx="7468642" cy="2121186"/>
+          </a:xfrm>
+          <a:prstGeom prst="rect">
+            <a:avLst/>
+          </a:prstGeom>
+        </p:spPr>
+      </p:pic>
+      <p:pic>
+        <p:nvPicPr>
+          <p:cNvPr id="8" name="Image 7">
+            <a:extLst>
+              <a:ext uri="{FF2B5EF4-FFF2-40B4-BE49-F238E27FC236}">
+                <a16:creationId xmlns:a16="http://schemas.microsoft.com/office/drawing/2014/main" id="{655535CC-775B-48F3-8CF5-DFB49A51B7A9}"/>
+              </a:ext>
+            </a:extLst>
+          </p:cNvPr>
+          <p:cNvPicPr>
+            <a:picLocks noChangeAspect="1"/>
+          </p:cNvPicPr>
+          <p:nvPr/>
+        </p:nvPicPr>
+        <p:blipFill>
+          <a:blip r:embed="rId3"/>
+          <a:stretch>
+            <a:fillRect/>
+          </a:stretch>
+        </p:blipFill>
+        <p:spPr>
+          <a:xfrm>
+            <a:off x="2565580" y="1838102"/>
+            <a:ext cx="2883496" cy="2836535"/>
+          </a:xfrm>
+          <a:prstGeom prst="rect">
+            <a:avLst/>
+          </a:prstGeom>
+        </p:spPr>
+      </p:pic>
+      <p:pic>
+        <p:nvPicPr>
+          <p:cNvPr id="11" name="Image 10">
+            <a:extLst>
+              <a:ext uri="{FF2B5EF4-FFF2-40B4-BE49-F238E27FC236}">
+                <a16:creationId xmlns:a16="http://schemas.microsoft.com/office/drawing/2014/main" id="{4CBF298E-E55B-49F1-9D92-5A98FD68390B}"/>
+              </a:ext>
+            </a:extLst>
+          </p:cNvPr>
+          <p:cNvPicPr>
+            <a:picLocks noChangeAspect="1"/>
+          </p:cNvPicPr>
+          <p:nvPr/>
+        </p:nvPicPr>
+        <p:blipFill rotWithShape="1">
+          <a:blip r:embed="rId3"/>
+          <a:srcRect t="54951"/>
+          <a:stretch/>
+        </p:blipFill>
+        <p:spPr>
+          <a:xfrm>
+            <a:off x="6046238" y="1838101"/>
+            <a:ext cx="4786601" cy="2121187"/>
+          </a:xfrm>
+          <a:prstGeom prst="rect">
+            <a:avLst/>
+          </a:prstGeom>
+        </p:spPr>
+      </p:pic>
+      <p:pic>
+        <p:nvPicPr>
+          <p:cNvPr id="12" name="Image 11">
+            <a:extLst>
+              <a:ext uri="{FF2B5EF4-FFF2-40B4-BE49-F238E27FC236}">
+                <a16:creationId xmlns:a16="http://schemas.microsoft.com/office/drawing/2014/main" id="{801111C8-76AB-435B-8559-CAFB2D51D6FF}"/>
+              </a:ext>
+            </a:extLst>
+          </p:cNvPr>
+          <p:cNvPicPr>
+            <a:picLocks noChangeAspect="1"/>
+          </p:cNvPicPr>
+          <p:nvPr/>
+        </p:nvPicPr>
+        <p:blipFill rotWithShape="1">
+          <a:blip r:embed="rId2">
+            <a:extLst>
+              <a:ext uri="{28A0092B-C50C-407E-A947-70E740481C1C}">
+                <a14:useLocalDpi xmlns:a14="http://schemas.microsoft.com/office/drawing/2010/main" val="0"/>
+              </a:ext>
+            </a:extLst>
+          </a:blip>
+          <a:srcRect t="66666"/>
+          <a:stretch/>
+        </p:blipFill>
+        <p:spPr>
+          <a:xfrm>
+            <a:off x="2428027" y="4743067"/>
+            <a:ext cx="7468642" cy="1060608"/>
+          </a:xfrm>
+          <a:prstGeom prst="rect">
+            <a:avLst/>
+          </a:prstGeom>
+        </p:spPr>
+      </p:pic>
+    </p:spTree>
+    <p:extLst>
+      <p:ext uri="{BB962C8B-B14F-4D97-AF65-F5344CB8AC3E}">
+        <p14:creationId xmlns:p14="http://schemas.microsoft.com/office/powerpoint/2010/main" val="1319155752"/>
+      </p:ext>
+    </p:extLst>
+  </p:cSld>
+  <p:clrMapOvr>
+    <a:masterClrMapping/>
+  </p:clrMapOvr>
+</p:sld>
+</file>
+
+<file path=ppt/slides/slide5.xml><?xml version="1.0" encoding="utf-8"?>
 <p:sld xmlns:a="http://schemas.openxmlformats.org/drawingml/2006/main" xmlns:r="http://schemas.openxmlformats.org/officeDocument/2006/relationships" xmlns:p="http://schemas.openxmlformats.org/presentationml/2006/main">
   <p:cSld>
     <p:spTree>
@@ -13547,8 +13708,8 @@
             </p:style>
           </p:cxnSp>
         </p:grpSp>
-        <mc:AlternateContent xmlns:mc="http://schemas.openxmlformats.org/markup-compatibility/2006">
-          <mc:Choice xmlns:a14="http://schemas.microsoft.com/office/drawing/2010/main" Requires="a14">
+        <mc:AlternateContent xmlns:mc="http://schemas.openxmlformats.org/markup-compatibility/2006" xmlns:a14="http://schemas.microsoft.com/office/drawing/2010/main">
+          <mc:Choice Requires="a14">
             <p:sp>
               <p:nvSpPr>
                 <p:cNvPr id="36" name="TextBox 35">
@@ -13594,6 +13755,7 @@
                 </a:bodyPr>
                 <a:lstStyle/>
                 <a:p>
+                  <a:pPr/>
                   <a14:m>
                     <m:oMathPara xmlns:m="http://schemas.openxmlformats.org/officeDocument/2006/math">
                       <m:oMathParaPr>
@@ -13649,7 +13811,7 @@
               </p:txBody>
             </p:sp>
           </mc:Choice>
-          <mc:Fallback>
+          <mc:Fallback xmlns="">
             <p:sp>
               <p:nvSpPr>
                 <p:cNvPr id="36" name="TextBox 35">
@@ -13697,8 +13859,8 @@
             </p:sp>
           </mc:Fallback>
         </mc:AlternateContent>
-        <mc:AlternateContent xmlns:mc="http://schemas.openxmlformats.org/markup-compatibility/2006">
-          <mc:Choice xmlns:a14="http://schemas.microsoft.com/office/drawing/2010/main" Requires="a14">
+        <mc:AlternateContent xmlns:mc="http://schemas.openxmlformats.org/markup-compatibility/2006" xmlns:a14="http://schemas.microsoft.com/office/drawing/2010/main">
+          <mc:Choice Requires="a14">
             <p:sp>
               <p:nvSpPr>
                 <p:cNvPr id="37" name="TextBox 36">
@@ -13744,6 +13906,7 @@
                 </a:bodyPr>
                 <a:lstStyle/>
                 <a:p>
+                  <a:pPr/>
                   <a14:m>
                     <m:oMathPara xmlns:m="http://schemas.openxmlformats.org/officeDocument/2006/math">
                       <m:oMathParaPr>
@@ -13799,7 +13962,7 @@
               </p:txBody>
             </p:sp>
           </mc:Choice>
-          <mc:Fallback>
+          <mc:Fallback xmlns="">
             <p:sp>
               <p:nvSpPr>
                 <p:cNvPr id="37" name="TextBox 36">
@@ -13848,8 +14011,8 @@
           </mc:Fallback>
         </mc:AlternateContent>
       </p:grpSp>
-      <mc:AlternateContent xmlns:mc="http://schemas.openxmlformats.org/markup-compatibility/2006">
-        <mc:Choice xmlns:a14="http://schemas.microsoft.com/office/drawing/2010/main" Requires="a14">
+      <mc:AlternateContent xmlns:mc="http://schemas.openxmlformats.org/markup-compatibility/2006" xmlns:a14="http://schemas.microsoft.com/office/drawing/2010/main">
+        <mc:Choice Requires="a14">
           <p:sp>
             <p:nvSpPr>
               <p:cNvPr id="40" name="TextBox 39">
@@ -13878,6 +14041,7 @@
               </a:bodyPr>
               <a:lstStyle/>
               <a:p>
+                <a:pPr/>
                 <a14:m>
                   <m:oMathPara xmlns:m="http://schemas.openxmlformats.org/officeDocument/2006/math">
                     <m:oMathParaPr>
@@ -13930,7 +14094,7 @@
             </p:txBody>
           </p:sp>
         </mc:Choice>
-        <mc:Fallback>
+        <mc:Fallback xmlns="">
           <p:sp>
             <p:nvSpPr>
               <p:cNvPr id="40" name="TextBox 39">
@@ -14416,8 +14580,8 @@
             </p:style>
           </p:cxnSp>
         </p:grpSp>
-        <mc:AlternateContent xmlns:mc="http://schemas.openxmlformats.org/markup-compatibility/2006">
-          <mc:Choice xmlns:a14="http://schemas.microsoft.com/office/drawing/2010/main" Requires="a14">
+        <mc:AlternateContent xmlns:mc="http://schemas.openxmlformats.org/markup-compatibility/2006" xmlns:a14="http://schemas.microsoft.com/office/drawing/2010/main">
+          <mc:Choice Requires="a14">
             <p:sp>
               <p:nvSpPr>
                 <p:cNvPr id="143" name="TextBox 142">
@@ -14463,6 +14627,7 @@
                 </a:bodyPr>
                 <a:lstStyle/>
                 <a:p>
+                  <a:pPr/>
                   <a14:m>
                     <m:oMathPara xmlns:m="http://schemas.openxmlformats.org/officeDocument/2006/math">
                       <m:oMathParaPr>
@@ -14518,7 +14683,7 @@
               </p:txBody>
             </p:sp>
           </mc:Choice>
-          <mc:Fallback>
+          <mc:Fallback xmlns="">
             <p:sp>
               <p:nvSpPr>
                 <p:cNvPr id="143" name="TextBox 142">
@@ -14566,8 +14731,8 @@
             </p:sp>
           </mc:Fallback>
         </mc:AlternateContent>
-        <mc:AlternateContent xmlns:mc="http://schemas.openxmlformats.org/markup-compatibility/2006">
-          <mc:Choice xmlns:a14="http://schemas.microsoft.com/office/drawing/2010/main" Requires="a14">
+        <mc:AlternateContent xmlns:mc="http://schemas.openxmlformats.org/markup-compatibility/2006" xmlns:a14="http://schemas.microsoft.com/office/drawing/2010/main">
+          <mc:Choice Requires="a14">
             <p:sp>
               <p:nvSpPr>
                 <p:cNvPr id="144" name="TextBox 143">
@@ -14613,6 +14778,7 @@
                 </a:bodyPr>
                 <a:lstStyle/>
                 <a:p>
+                  <a:pPr/>
                   <a14:m>
                     <m:oMathPara xmlns:m="http://schemas.openxmlformats.org/officeDocument/2006/math">
                       <m:oMathParaPr>
@@ -14668,7 +14834,7 @@
               </p:txBody>
             </p:sp>
           </mc:Choice>
-          <mc:Fallback>
+          <mc:Fallback xmlns="">
             <p:sp>
               <p:nvSpPr>
                 <p:cNvPr id="144" name="TextBox 143">
@@ -14891,8 +15057,8 @@
           </a:p>
         </p:txBody>
       </p:sp>
-      <mc:AlternateContent xmlns:mc="http://schemas.openxmlformats.org/markup-compatibility/2006">
-        <mc:Choice xmlns:a14="http://schemas.microsoft.com/office/drawing/2010/main" Requires="a14">
+      <mc:AlternateContent xmlns:mc="http://schemas.openxmlformats.org/markup-compatibility/2006" xmlns:a14="http://schemas.microsoft.com/office/drawing/2010/main">
+        <mc:Choice Requires="a14">
           <p:sp>
             <p:nvSpPr>
               <p:cNvPr id="158" name="TextBox 157">
@@ -14921,6 +15087,7 @@
               </a:bodyPr>
               <a:lstStyle/>
               <a:p>
+                <a:pPr/>
                 <a14:m>
                   <m:oMathPara xmlns:m="http://schemas.openxmlformats.org/officeDocument/2006/math">
                     <m:oMathParaPr>
@@ -14973,7 +15140,7 @@
             </p:txBody>
           </p:sp>
         </mc:Choice>
-        <mc:Fallback>
+        <mc:Fallback xmlns="">
           <p:sp>
             <p:nvSpPr>
               <p:cNvPr id="158" name="TextBox 157">
@@ -15018,8 +15185,8 @@
           </p:sp>
         </mc:Fallback>
       </mc:AlternateContent>
-      <mc:AlternateContent xmlns:mc="http://schemas.openxmlformats.org/markup-compatibility/2006">
-        <mc:Choice xmlns:a14="http://schemas.microsoft.com/office/drawing/2010/main" Requires="a14">
+      <mc:AlternateContent xmlns:mc="http://schemas.openxmlformats.org/markup-compatibility/2006" xmlns:a14="http://schemas.microsoft.com/office/drawing/2010/main">
+        <mc:Choice Requires="a14">
           <p:sp>
             <p:nvSpPr>
               <p:cNvPr id="159" name="TextBox 158">
@@ -15048,6 +15215,7 @@
               </a:bodyPr>
               <a:lstStyle/>
               <a:p>
+                <a:pPr/>
                 <a14:m>
                   <m:oMathPara xmlns:m="http://schemas.openxmlformats.org/officeDocument/2006/math">
                     <m:oMathParaPr>
@@ -15115,7 +15283,7 @@
             </p:txBody>
           </p:sp>
         </mc:Choice>
-        <mc:Fallback>
+        <mc:Fallback xmlns="">
           <p:sp>
             <p:nvSpPr>
               <p:cNvPr id="159" name="TextBox 158">
@@ -15207,8 +15375,8 @@
           </a:fontRef>
         </p:style>
       </p:cxnSp>
-      <mc:AlternateContent xmlns:mc="http://schemas.openxmlformats.org/markup-compatibility/2006">
-        <mc:Choice xmlns:a14="http://schemas.microsoft.com/office/drawing/2010/main" Requires="a14">
+      <mc:AlternateContent xmlns:mc="http://schemas.openxmlformats.org/markup-compatibility/2006" xmlns:a14="http://schemas.microsoft.com/office/drawing/2010/main">
+        <mc:Choice Requires="a14">
           <p:sp>
             <p:nvSpPr>
               <p:cNvPr id="167" name="TextBox 166">
@@ -15237,6 +15405,7 @@
               </a:bodyPr>
               <a:lstStyle/>
               <a:p>
+                <a:pPr/>
                 <a14:m>
                   <m:oMathPara xmlns:m="http://schemas.openxmlformats.org/officeDocument/2006/math">
                     <m:oMathParaPr>
@@ -15297,7 +15466,7 @@
                       <m:sSub>
                         <m:sSubPr>
                           <m:ctrlPr>
-                            <a:rPr lang="en-GB" b="0" i="0" dirty="0" smtClean="0">
+                            <a:rPr lang="en-GB" b="0" i="1" dirty="0" smtClean="0">
                               <a:solidFill>
                                 <a:schemeClr val="accent4">
                                   <a:lumMod val="50000"/>
@@ -15429,7 +15598,7 @@
             </p:txBody>
           </p:sp>
         </mc:Choice>
-        <mc:Fallback>
+        <mc:Fallback xmlns="">
           <p:sp>
             <p:nvSpPr>
               <p:cNvPr id="167" name="TextBox 166">
@@ -15487,7 +15656,7 @@
 </p:sld>
 </file>
 
-<file path=ppt/slides/slide5.xml><?xml version="1.0" encoding="utf-8"?>
+<file path=ppt/slides/slide6.xml><?xml version="1.0" encoding="utf-8"?>
 <p:sld xmlns:a="http://schemas.openxmlformats.org/drawingml/2006/main" xmlns:r="http://schemas.openxmlformats.org/officeDocument/2006/relationships" xmlns:p="http://schemas.openxmlformats.org/presentationml/2006/main">
   <p:cSld>
     <p:spTree>
@@ -15941,8 +16110,8 @@
             </p:style>
           </p:cxnSp>
         </p:grpSp>
-        <mc:AlternateContent xmlns:mc="http://schemas.openxmlformats.org/markup-compatibility/2006">
-          <mc:Choice xmlns:a14="http://schemas.microsoft.com/office/drawing/2010/main" Requires="a14">
+        <mc:AlternateContent xmlns:mc="http://schemas.openxmlformats.org/markup-compatibility/2006" xmlns:a14="http://schemas.microsoft.com/office/drawing/2010/main">
+          <mc:Choice Requires="a14">
             <p:sp>
               <p:nvSpPr>
                 <p:cNvPr id="11" name="TextBox 10">
@@ -15988,6 +16157,7 @@
                 </a:bodyPr>
                 <a:lstStyle/>
                 <a:p>
+                  <a:pPr/>
                   <a14:m>
                     <m:oMathPara xmlns:m="http://schemas.openxmlformats.org/officeDocument/2006/math">
                       <m:oMathParaPr>
@@ -16043,7 +16213,7 @@
               </p:txBody>
             </p:sp>
           </mc:Choice>
-          <mc:Fallback>
+          <mc:Fallback xmlns="">
             <p:sp>
               <p:nvSpPr>
                 <p:cNvPr id="11" name="TextBox 10">
@@ -16091,8 +16261,8 @@
             </p:sp>
           </mc:Fallback>
         </mc:AlternateContent>
-        <mc:AlternateContent xmlns:mc="http://schemas.openxmlformats.org/markup-compatibility/2006">
-          <mc:Choice xmlns:a14="http://schemas.microsoft.com/office/drawing/2010/main" Requires="a14">
+        <mc:AlternateContent xmlns:mc="http://schemas.openxmlformats.org/markup-compatibility/2006" xmlns:a14="http://schemas.microsoft.com/office/drawing/2010/main">
+          <mc:Choice Requires="a14">
             <p:sp>
               <p:nvSpPr>
                 <p:cNvPr id="12" name="TextBox 11">
@@ -16138,6 +16308,7 @@
                 </a:bodyPr>
                 <a:lstStyle/>
                 <a:p>
+                  <a:pPr/>
                   <a14:m>
                     <m:oMathPara xmlns:m="http://schemas.openxmlformats.org/officeDocument/2006/math">
                       <m:oMathParaPr>
@@ -16193,7 +16364,7 @@
               </p:txBody>
             </p:sp>
           </mc:Choice>
-          <mc:Fallback>
+          <mc:Fallback xmlns="">
             <p:sp>
               <p:nvSpPr>
                 <p:cNvPr id="12" name="TextBox 11">
@@ -16242,8 +16413,8 @@
           </mc:Fallback>
         </mc:AlternateContent>
       </p:grpSp>
-      <mc:AlternateContent xmlns:mc="http://schemas.openxmlformats.org/markup-compatibility/2006">
-        <mc:Choice xmlns:a14="http://schemas.microsoft.com/office/drawing/2010/main" Requires="a14">
+      <mc:AlternateContent xmlns:mc="http://schemas.openxmlformats.org/markup-compatibility/2006" xmlns:a14="http://schemas.microsoft.com/office/drawing/2010/main">
+        <mc:Choice Requires="a14">
           <p:sp>
             <p:nvSpPr>
               <p:cNvPr id="17" name="TextBox 16">
@@ -16272,6 +16443,7 @@
               </a:bodyPr>
               <a:lstStyle/>
               <a:p>
+                <a:pPr/>
                 <a14:m>
                   <m:oMathPara xmlns:m="http://schemas.openxmlformats.org/officeDocument/2006/math">
                     <m:oMathParaPr>
@@ -16324,7 +16496,7 @@
             </p:txBody>
           </p:sp>
         </mc:Choice>
-        <mc:Fallback>
+        <mc:Fallback xmlns="">
           <p:sp>
             <p:nvSpPr>
               <p:cNvPr id="17" name="TextBox 16">
@@ -16810,8 +16982,8 @@
             </p:style>
           </p:cxnSp>
         </p:grpSp>
-        <mc:AlternateContent xmlns:mc="http://schemas.openxmlformats.org/markup-compatibility/2006">
-          <mc:Choice xmlns:a14="http://schemas.microsoft.com/office/drawing/2010/main" Requires="a14">
+        <mc:AlternateContent xmlns:mc="http://schemas.openxmlformats.org/markup-compatibility/2006" xmlns:a14="http://schemas.microsoft.com/office/drawing/2010/main">
+          <mc:Choice Requires="a14">
             <p:sp>
               <p:nvSpPr>
                 <p:cNvPr id="25" name="TextBox 24">
@@ -16857,6 +17029,7 @@
                 </a:bodyPr>
                 <a:lstStyle/>
                 <a:p>
+                  <a:pPr/>
                   <a14:m>
                     <m:oMathPara xmlns:m="http://schemas.openxmlformats.org/officeDocument/2006/math">
                       <m:oMathParaPr>
@@ -16912,7 +17085,7 @@
               </p:txBody>
             </p:sp>
           </mc:Choice>
-          <mc:Fallback>
+          <mc:Fallback xmlns="">
             <p:sp>
               <p:nvSpPr>
                 <p:cNvPr id="25" name="TextBox 24">
@@ -16960,8 +17133,8 @@
             </p:sp>
           </mc:Fallback>
         </mc:AlternateContent>
-        <mc:AlternateContent xmlns:mc="http://schemas.openxmlformats.org/markup-compatibility/2006">
-          <mc:Choice xmlns:a14="http://schemas.microsoft.com/office/drawing/2010/main" Requires="a14">
+        <mc:AlternateContent xmlns:mc="http://schemas.openxmlformats.org/markup-compatibility/2006" xmlns:a14="http://schemas.microsoft.com/office/drawing/2010/main">
+          <mc:Choice Requires="a14">
             <p:sp>
               <p:nvSpPr>
                 <p:cNvPr id="26" name="TextBox 25">
@@ -17007,6 +17180,7 @@
                 </a:bodyPr>
                 <a:lstStyle/>
                 <a:p>
+                  <a:pPr/>
                   <a14:m>
                     <m:oMathPara xmlns:m="http://schemas.openxmlformats.org/officeDocument/2006/math">
                       <m:oMathParaPr>
@@ -17062,7 +17236,7 @@
               </p:txBody>
             </p:sp>
           </mc:Choice>
-          <mc:Fallback>
+          <mc:Fallback xmlns="">
             <p:sp>
               <p:nvSpPr>
                 <p:cNvPr id="26" name="TextBox 25">
@@ -17557,7 +17731,7 @@
 </p:sld>
 </file>
 
-<file path=ppt/slides/slide6.xml><?xml version="1.0" encoding="utf-8"?>
+<file path=ppt/slides/slide7.xml><?xml version="1.0" encoding="utf-8"?>
 <p:sld xmlns:a="http://schemas.openxmlformats.org/drawingml/2006/main" xmlns:r="http://schemas.openxmlformats.org/officeDocument/2006/relationships" xmlns:p="http://schemas.openxmlformats.org/presentationml/2006/main">
   <p:cSld>
     <p:spTree>
@@ -18101,8 +18275,8 @@
             </p:style>
           </p:cxnSp>
         </p:grpSp>
-        <mc:AlternateContent xmlns:mc="http://schemas.openxmlformats.org/markup-compatibility/2006">
-          <mc:Choice xmlns:a14="http://schemas.microsoft.com/office/drawing/2010/main" Requires="a14">
+        <mc:AlternateContent xmlns:mc="http://schemas.openxmlformats.org/markup-compatibility/2006" xmlns:a14="http://schemas.microsoft.com/office/drawing/2010/main">
+          <mc:Choice Requires="a14">
             <p:sp>
               <p:nvSpPr>
                 <p:cNvPr id="9" name="TextBox 8">
@@ -18148,6 +18322,7 @@
                 </a:bodyPr>
                 <a:lstStyle/>
                 <a:p>
+                  <a:pPr/>
                   <a14:m>
                     <m:oMathPara xmlns:m="http://schemas.openxmlformats.org/officeDocument/2006/math">
                       <m:oMathParaPr>
@@ -18203,7 +18378,7 @@
               </p:txBody>
             </p:sp>
           </mc:Choice>
-          <mc:Fallback>
+          <mc:Fallback xmlns="">
             <p:sp>
               <p:nvSpPr>
                 <p:cNvPr id="9" name="TextBox 8">
@@ -18251,8 +18426,8 @@
             </p:sp>
           </mc:Fallback>
         </mc:AlternateContent>
-        <mc:AlternateContent xmlns:mc="http://schemas.openxmlformats.org/markup-compatibility/2006">
-          <mc:Choice xmlns:a14="http://schemas.microsoft.com/office/drawing/2010/main" Requires="a14">
+        <mc:AlternateContent xmlns:mc="http://schemas.openxmlformats.org/markup-compatibility/2006" xmlns:a14="http://schemas.microsoft.com/office/drawing/2010/main">
+          <mc:Choice Requires="a14">
             <p:sp>
               <p:nvSpPr>
                 <p:cNvPr id="10" name="TextBox 9">
@@ -18298,6 +18473,7 @@
                 </a:bodyPr>
                 <a:lstStyle/>
                 <a:p>
+                  <a:pPr/>
                   <a14:m>
                     <m:oMathPara xmlns:m="http://schemas.openxmlformats.org/officeDocument/2006/math">
                       <m:oMathParaPr>
@@ -18353,7 +18529,7 @@
               </p:txBody>
             </p:sp>
           </mc:Choice>
-          <mc:Fallback>
+          <mc:Fallback xmlns="">
             <p:sp>
               <p:nvSpPr>
                 <p:cNvPr id="10" name="TextBox 9">
@@ -18402,8 +18578,8 @@
           </mc:Fallback>
         </mc:AlternateContent>
       </p:grpSp>
-      <mc:AlternateContent xmlns:mc="http://schemas.openxmlformats.org/markup-compatibility/2006">
-        <mc:Choice xmlns:a14="http://schemas.microsoft.com/office/drawing/2010/main" Requires="a14">
+      <mc:AlternateContent xmlns:mc="http://schemas.openxmlformats.org/markup-compatibility/2006" xmlns:a14="http://schemas.microsoft.com/office/drawing/2010/main">
+        <mc:Choice Requires="a14">
           <p:sp>
             <p:nvSpPr>
               <p:cNvPr id="15" name="TextBox 14">
@@ -18432,6 +18608,7 @@
               </a:bodyPr>
               <a:lstStyle/>
               <a:p>
+                <a:pPr/>
                 <a14:m>
                   <m:oMathPara xmlns:m="http://schemas.openxmlformats.org/officeDocument/2006/math">
                     <m:oMathParaPr>
@@ -18484,7 +18661,7 @@
             </p:txBody>
           </p:sp>
         </mc:Choice>
-        <mc:Fallback>
+        <mc:Fallback xmlns="">
           <p:sp>
             <p:nvSpPr>
               <p:cNvPr id="15" name="TextBox 14">
@@ -18970,8 +19147,8 @@
             </p:style>
           </p:cxnSp>
         </p:grpSp>
-        <mc:AlternateContent xmlns:mc="http://schemas.openxmlformats.org/markup-compatibility/2006">
-          <mc:Choice xmlns:a14="http://schemas.microsoft.com/office/drawing/2010/main" Requires="a14">
+        <mc:AlternateContent xmlns:mc="http://schemas.openxmlformats.org/markup-compatibility/2006" xmlns:a14="http://schemas.microsoft.com/office/drawing/2010/main">
+          <mc:Choice Requires="a14">
             <p:sp>
               <p:nvSpPr>
                 <p:cNvPr id="23" name="TextBox 22">
@@ -19017,6 +19194,7 @@
                 </a:bodyPr>
                 <a:lstStyle/>
                 <a:p>
+                  <a:pPr/>
                   <a14:m>
                     <m:oMathPara xmlns:m="http://schemas.openxmlformats.org/officeDocument/2006/math">
                       <m:oMathParaPr>
@@ -19072,7 +19250,7 @@
               </p:txBody>
             </p:sp>
           </mc:Choice>
-          <mc:Fallback>
+          <mc:Fallback xmlns="">
             <p:sp>
               <p:nvSpPr>
                 <p:cNvPr id="23" name="TextBox 22">
@@ -19120,8 +19298,8 @@
             </p:sp>
           </mc:Fallback>
         </mc:AlternateContent>
-        <mc:AlternateContent xmlns:mc="http://schemas.openxmlformats.org/markup-compatibility/2006">
-          <mc:Choice xmlns:a14="http://schemas.microsoft.com/office/drawing/2010/main" Requires="a14">
+        <mc:AlternateContent xmlns:mc="http://schemas.openxmlformats.org/markup-compatibility/2006" xmlns:a14="http://schemas.microsoft.com/office/drawing/2010/main">
+          <mc:Choice Requires="a14">
             <p:sp>
               <p:nvSpPr>
                 <p:cNvPr id="24" name="TextBox 23">
@@ -19167,6 +19345,7 @@
                 </a:bodyPr>
                 <a:lstStyle/>
                 <a:p>
+                  <a:pPr/>
                   <a14:m>
                     <m:oMathPara xmlns:m="http://schemas.openxmlformats.org/officeDocument/2006/math">
                       <m:oMathParaPr>
@@ -19222,7 +19401,7 @@
               </p:txBody>
             </p:sp>
           </mc:Choice>
-          <mc:Fallback>
+          <mc:Fallback xmlns="">
             <p:sp>
               <p:nvSpPr>
                 <p:cNvPr id="24" name="TextBox 23">
@@ -19445,8 +19624,8 @@
           </a:p>
         </p:txBody>
       </p:sp>
-      <mc:AlternateContent xmlns:mc="http://schemas.openxmlformats.org/markup-compatibility/2006">
-        <mc:Choice xmlns:a14="http://schemas.microsoft.com/office/drawing/2010/main" Requires="a14">
+      <mc:AlternateContent xmlns:mc="http://schemas.openxmlformats.org/markup-compatibility/2006" xmlns:a14="http://schemas.microsoft.com/office/drawing/2010/main">
+        <mc:Choice Requires="a14">
           <p:sp>
             <p:nvSpPr>
               <p:cNvPr id="33" name="TextBox 32">
@@ -19475,6 +19654,7 @@
               </a:bodyPr>
               <a:lstStyle/>
               <a:p>
+                <a:pPr/>
                 <a14:m>
                   <m:oMathPara xmlns:m="http://schemas.openxmlformats.org/officeDocument/2006/math">
                     <m:oMathParaPr>
@@ -19527,7 +19707,7 @@
             </p:txBody>
           </p:sp>
         </mc:Choice>
-        <mc:Fallback>
+        <mc:Fallback xmlns="">
           <p:sp>
             <p:nvSpPr>
               <p:cNvPr id="33" name="TextBox 32">
@@ -19572,8 +19752,8 @@
           </p:sp>
         </mc:Fallback>
       </mc:AlternateContent>
-      <mc:AlternateContent xmlns:mc="http://schemas.openxmlformats.org/markup-compatibility/2006">
-        <mc:Choice xmlns:a14="http://schemas.microsoft.com/office/drawing/2010/main" Requires="a14">
+      <mc:AlternateContent xmlns:mc="http://schemas.openxmlformats.org/markup-compatibility/2006" xmlns:a14="http://schemas.microsoft.com/office/drawing/2010/main">
+        <mc:Choice Requires="a14">
           <p:sp>
             <p:nvSpPr>
               <p:cNvPr id="42" name="TextBox 41">
@@ -19602,6 +19782,7 @@
               </a:bodyPr>
               <a:lstStyle/>
               <a:p>
+                <a:pPr/>
                 <a14:m>
                   <m:oMathPara xmlns:m="http://schemas.openxmlformats.org/officeDocument/2006/math">
                     <m:oMathParaPr>
@@ -19669,7 +19850,7 @@
             </p:txBody>
           </p:sp>
         </mc:Choice>
-        <mc:Fallback>
+        <mc:Fallback xmlns="">
           <p:sp>
             <p:nvSpPr>
               <p:cNvPr id="42" name="TextBox 41">
@@ -19761,8 +19942,8 @@
           </a:fontRef>
         </p:style>
       </p:cxnSp>
-      <mc:AlternateContent xmlns:mc="http://schemas.openxmlformats.org/markup-compatibility/2006">
-        <mc:Choice xmlns:a14="http://schemas.microsoft.com/office/drawing/2010/main" Requires="a14">
+      <mc:AlternateContent xmlns:mc="http://schemas.openxmlformats.org/markup-compatibility/2006" xmlns:a14="http://schemas.microsoft.com/office/drawing/2010/main">
+        <mc:Choice Requires="a14">
           <p:sp>
             <p:nvSpPr>
               <p:cNvPr id="46" name="TextBox 45">
@@ -19791,6 +19972,7 @@
               </a:bodyPr>
               <a:lstStyle/>
               <a:p>
+                <a:pPr/>
                 <a14:m>
                   <m:oMathPara xmlns:m="http://schemas.openxmlformats.org/officeDocument/2006/math">
                     <m:oMathParaPr>
@@ -19851,7 +20033,7 @@
                       <m:sSub>
                         <m:sSubPr>
                           <m:ctrlPr>
-                            <a:rPr lang="en-GB" b="0" i="0" dirty="0" smtClean="0">
+                            <a:rPr lang="en-GB" b="0" i="1" dirty="0" smtClean="0">
                               <a:solidFill>
                                 <a:schemeClr val="accent4">
                                   <a:lumMod val="50000"/>
@@ -19983,7 +20165,7 @@
             </p:txBody>
           </p:sp>
         </mc:Choice>
-        <mc:Fallback>
+        <mc:Fallback xmlns="">
           <p:sp>
             <p:nvSpPr>
               <p:cNvPr id="46" name="TextBox 45">
@@ -20041,7 +20223,7 @@
 </p:sld>
 </file>
 
-<file path=ppt/slides/slide7.xml><?xml version="1.0" encoding="utf-8"?>
+<file path=ppt/slides/slide8.xml><?xml version="1.0" encoding="utf-8"?>
 <p:sld xmlns:a="http://schemas.openxmlformats.org/drawingml/2006/main" xmlns:r="http://schemas.openxmlformats.org/officeDocument/2006/relationships" xmlns:p="http://schemas.openxmlformats.org/presentationml/2006/main">
   <p:cSld>
     <p:spTree>

--- a/figures/discretization.pptx
+++ b/figures/discretization.pptx
@@ -277,7 +277,7 @@
           <a:p>
             <a:fld id="{F9225C83-7477-4980-A7BD-F72C1555A858}" type="datetimeFigureOut">
               <a:rPr lang="en-US" smtClean="0"/>
-              <a:t>3/2/2018</a:t>
+              <a:t>4/15/2018</a:t>
             </a:fld>
             <a:endParaRPr lang="en-US"/>
           </a:p>
@@ -475,7 +475,7 @@
           <a:p>
             <a:fld id="{F9225C83-7477-4980-A7BD-F72C1555A858}" type="datetimeFigureOut">
               <a:rPr lang="en-US" smtClean="0"/>
-              <a:t>3/2/2018</a:t>
+              <a:t>4/15/2018</a:t>
             </a:fld>
             <a:endParaRPr lang="en-US"/>
           </a:p>
@@ -683,7 +683,7 @@
           <a:p>
             <a:fld id="{F9225C83-7477-4980-A7BD-F72C1555A858}" type="datetimeFigureOut">
               <a:rPr lang="en-US" smtClean="0"/>
-              <a:t>3/2/2018</a:t>
+              <a:t>4/15/2018</a:t>
             </a:fld>
             <a:endParaRPr lang="en-US"/>
           </a:p>
@@ -881,7 +881,7 @@
           <a:p>
             <a:fld id="{F9225C83-7477-4980-A7BD-F72C1555A858}" type="datetimeFigureOut">
               <a:rPr lang="en-US" smtClean="0"/>
-              <a:t>3/2/2018</a:t>
+              <a:t>4/15/2018</a:t>
             </a:fld>
             <a:endParaRPr lang="en-US"/>
           </a:p>
@@ -1156,7 +1156,7 @@
           <a:p>
             <a:fld id="{F9225C83-7477-4980-A7BD-F72C1555A858}" type="datetimeFigureOut">
               <a:rPr lang="en-US" smtClean="0"/>
-              <a:t>3/2/2018</a:t>
+              <a:t>4/15/2018</a:t>
             </a:fld>
             <a:endParaRPr lang="en-US"/>
           </a:p>
@@ -1421,7 +1421,7 @@
           <a:p>
             <a:fld id="{F9225C83-7477-4980-A7BD-F72C1555A858}" type="datetimeFigureOut">
               <a:rPr lang="en-US" smtClean="0"/>
-              <a:t>3/2/2018</a:t>
+              <a:t>4/15/2018</a:t>
             </a:fld>
             <a:endParaRPr lang="en-US"/>
           </a:p>
@@ -1833,7 +1833,7 @@
           <a:p>
             <a:fld id="{F9225C83-7477-4980-A7BD-F72C1555A858}" type="datetimeFigureOut">
               <a:rPr lang="en-US" smtClean="0"/>
-              <a:t>3/2/2018</a:t>
+              <a:t>4/15/2018</a:t>
             </a:fld>
             <a:endParaRPr lang="en-US"/>
           </a:p>
@@ -1974,7 +1974,7 @@
           <a:p>
             <a:fld id="{F9225C83-7477-4980-A7BD-F72C1555A858}" type="datetimeFigureOut">
               <a:rPr lang="en-US" smtClean="0"/>
-              <a:t>3/2/2018</a:t>
+              <a:t>4/15/2018</a:t>
             </a:fld>
             <a:endParaRPr lang="en-US"/>
           </a:p>
@@ -2087,7 +2087,7 @@
           <a:p>
             <a:fld id="{F9225C83-7477-4980-A7BD-F72C1555A858}" type="datetimeFigureOut">
               <a:rPr lang="en-US" smtClean="0"/>
-              <a:t>3/2/2018</a:t>
+              <a:t>4/15/2018</a:t>
             </a:fld>
             <a:endParaRPr lang="en-US"/>
           </a:p>
@@ -2398,7 +2398,7 @@
           <a:p>
             <a:fld id="{F9225C83-7477-4980-A7BD-F72C1555A858}" type="datetimeFigureOut">
               <a:rPr lang="en-US" smtClean="0"/>
-              <a:t>3/2/2018</a:t>
+              <a:t>4/15/2018</a:t>
             </a:fld>
             <a:endParaRPr lang="en-US"/>
           </a:p>
@@ -2686,7 +2686,7 @@
           <a:p>
             <a:fld id="{F9225C83-7477-4980-A7BD-F72C1555A858}" type="datetimeFigureOut">
               <a:rPr lang="en-US" smtClean="0"/>
-              <a:t>3/2/2018</a:t>
+              <a:t>4/15/2018</a:t>
             </a:fld>
             <a:endParaRPr lang="en-US"/>
           </a:p>
@@ -2927,7 +2927,7 @@
           <a:p>
             <a:fld id="{F9225C83-7477-4980-A7BD-F72C1555A858}" type="datetimeFigureOut">
               <a:rPr lang="en-US" smtClean="0"/>
-              <a:t>3/2/2018</a:t>
+              <a:t>4/15/2018</a:t>
             </a:fld>
             <a:endParaRPr lang="en-US"/>
           </a:p>
@@ -3458,7 +3458,7 @@
             <a:pPr algn="ctr"/>
             <a:r>
               <a:rPr lang="en-GB" dirty="0"/>
-              <a:t>Week form of GMB </a:t>
+              <a:t>Weak form of GMB </a:t>
             </a:r>
           </a:p>
           <a:p>
